--- a/Präsentation/Teil Julia.pptx
+++ b/Präsentation/Teil Julia.pptx
@@ -6,9 +6,10 @@
   </p:sldMasterIdLst>
   <p:sldIdLst>
     <p:sldId id="257" r:id="rId2"/>
-    <p:sldId id="258" r:id="rId3"/>
-    <p:sldId id="259" r:id="rId4"/>
-    <p:sldId id="260" r:id="rId5"/>
+    <p:sldId id="261" r:id="rId3"/>
+    <p:sldId id="262" r:id="rId4"/>
+    <p:sldId id="259" r:id="rId5"/>
+    <p:sldId id="260" r:id="rId6"/>
   </p:sldIdLst>
   <p:sldSz cx="12192000" cy="6858000"/>
   <p:notesSz cx="6858000" cy="9144000"/>
@@ -107,7 +108,20 @@
       </a:defRPr>
     </a:lvl9pPr>
   </p:defaultTextStyle>
+  <p:extLst>
+    <p:ext uri="{EFAFB233-063F-42B5-8137-9DF3F51BA10A}">
+      <p15:sldGuideLst xmlns:p15="http://schemas.microsoft.com/office/powerpoint/2012/main"/>
+    </p:ext>
+  </p:extLst>
 </p:presentation>
+</file>
+
+<file path=ppt/revisionInfo.xml><?xml version="1.0" encoding="utf-8"?>
+<p1510:revInfo xmlns:a="http://schemas.openxmlformats.org/drawingml/2006/main" xmlns:r="http://schemas.openxmlformats.org/officeDocument/2006/relationships" xmlns:p1510="http://schemas.microsoft.com/office/powerpoint/2015/10/main">
+  <p1510:revLst>
+    <p1510:client id="{4CF48BAA-F83A-47C5-A4C6-B3C5C307B4BB}" v="454" dt="2022-01-20T09:49:19.401"/>
+  </p1510:revLst>
+</p1510:revInfo>
 </file>
 
 <file path=ppt/changesInfos/changesInfo1.xml><?xml version="1.0" encoding="utf-8"?>
@@ -115,7 +129,7 @@
   <pc:docChgLst>
     <pc:chgData name="Julia Lobatón (s)" userId="03631203-4130-44e4-8322-dc08ad4e2bed" providerId="ADAL" clId="{4CF48BAA-F83A-47C5-A4C6-B3C5C307B4BB}"/>
     <pc:docChg chg="undo custSel addSld delSld modSld">
-      <pc:chgData name="Julia Lobatón (s)" userId="03631203-4130-44e4-8322-dc08ad4e2bed" providerId="ADAL" clId="{4CF48BAA-F83A-47C5-A4C6-B3C5C307B4BB}" dt="2022-01-13T09:16:42.192" v="1028" actId="1076"/>
+      <pc:chgData name="Julia Lobatón (s)" userId="03631203-4130-44e4-8322-dc08ad4e2bed" providerId="ADAL" clId="{4CF48BAA-F83A-47C5-A4C6-B3C5C307B4BB}" dt="2022-01-20T09:54:14.860" v="2316" actId="1076"/>
       <pc:docMkLst>
         <pc:docMk/>
       </pc:docMkLst>
@@ -127,13 +141,13 @@
         </pc:sldMkLst>
       </pc:sldChg>
       <pc:sldChg chg="modSp new mod">
-        <pc:chgData name="Julia Lobatón (s)" userId="03631203-4130-44e4-8322-dc08ad4e2bed" providerId="ADAL" clId="{4CF48BAA-F83A-47C5-A4C6-B3C5C307B4BB}" dt="2022-01-13T09:16:42.192" v="1028" actId="1076"/>
+        <pc:chgData name="Julia Lobatón (s)" userId="03631203-4130-44e4-8322-dc08ad4e2bed" providerId="ADAL" clId="{4CF48BAA-F83A-47C5-A4C6-B3C5C307B4BB}" dt="2022-01-20T09:54:14.860" v="2316" actId="1076"/>
         <pc:sldMkLst>
           <pc:docMk/>
           <pc:sldMk cId="1205076618" sldId="257"/>
         </pc:sldMkLst>
         <pc:spChg chg="mod">
-          <ac:chgData name="Julia Lobatón (s)" userId="03631203-4130-44e4-8322-dc08ad4e2bed" providerId="ADAL" clId="{4CF48BAA-F83A-47C5-A4C6-B3C5C307B4BB}" dt="2022-01-13T09:16:42.192" v="1028" actId="1076"/>
+          <ac:chgData name="Julia Lobatón (s)" userId="03631203-4130-44e4-8322-dc08ad4e2bed" providerId="ADAL" clId="{4CF48BAA-F83A-47C5-A4C6-B3C5C307B4BB}" dt="2022-01-20T09:54:10.811" v="2315" actId="1076"/>
           <ac:spMkLst>
             <pc:docMk/>
             <pc:sldMk cId="1205076618" sldId="257"/>
@@ -141,7 +155,7 @@
           </ac:spMkLst>
         </pc:spChg>
         <pc:spChg chg="mod">
-          <ac:chgData name="Julia Lobatón (s)" userId="03631203-4130-44e4-8322-dc08ad4e2bed" providerId="ADAL" clId="{4CF48BAA-F83A-47C5-A4C6-B3C5C307B4BB}" dt="2022-01-13T09:07:17.705" v="316" actId="20577"/>
+          <ac:chgData name="Julia Lobatón (s)" userId="03631203-4130-44e4-8322-dc08ad4e2bed" providerId="ADAL" clId="{4CF48BAA-F83A-47C5-A4C6-B3C5C307B4BB}" dt="2022-01-20T09:54:14.860" v="2316" actId="1076"/>
           <ac:spMkLst>
             <pc:docMk/>
             <pc:sldMk cId="1205076618" sldId="257"/>
@@ -149,8 +163,8 @@
           </ac:spMkLst>
         </pc:spChg>
       </pc:sldChg>
-      <pc:sldChg chg="modSp new mod">
-        <pc:chgData name="Julia Lobatón (s)" userId="03631203-4130-44e4-8322-dc08ad4e2bed" providerId="ADAL" clId="{4CF48BAA-F83A-47C5-A4C6-B3C5C307B4BB}" dt="2022-01-13T09:13:37.630" v="649" actId="20577"/>
+      <pc:sldChg chg="modSp new del mod">
+        <pc:chgData name="Julia Lobatón (s)" userId="03631203-4130-44e4-8322-dc08ad4e2bed" providerId="ADAL" clId="{4CF48BAA-F83A-47C5-A4C6-B3C5C307B4BB}" dt="2022-01-20T09:46:31.523" v="2271" actId="47"/>
         <pc:sldMkLst>
           <pc:docMk/>
           <pc:sldMk cId="3825416342" sldId="258"/>
@@ -173,7 +187,7 @@
         </pc:spChg>
       </pc:sldChg>
       <pc:sldChg chg="modSp new mod">
-        <pc:chgData name="Julia Lobatón (s)" userId="03631203-4130-44e4-8322-dc08ad4e2bed" providerId="ADAL" clId="{4CF48BAA-F83A-47C5-A4C6-B3C5C307B4BB}" dt="2022-01-13T09:12:57.972" v="586" actId="20577"/>
+        <pc:chgData name="Julia Lobatón (s)" userId="03631203-4130-44e4-8322-dc08ad4e2bed" providerId="ADAL" clId="{4CF48BAA-F83A-47C5-A4C6-B3C5C307B4BB}" dt="2022-01-20T09:47:04.667" v="2295" actId="20577"/>
         <pc:sldMkLst>
           <pc:docMk/>
           <pc:sldMk cId="2805375369" sldId="259"/>
@@ -187,7 +201,7 @@
           </ac:spMkLst>
         </pc:spChg>
         <pc:spChg chg="mod">
-          <ac:chgData name="Julia Lobatón (s)" userId="03631203-4130-44e4-8322-dc08ad4e2bed" providerId="ADAL" clId="{4CF48BAA-F83A-47C5-A4C6-B3C5C307B4BB}" dt="2022-01-13T09:12:57.972" v="586" actId="20577"/>
+          <ac:chgData name="Julia Lobatón (s)" userId="03631203-4130-44e4-8322-dc08ad4e2bed" providerId="ADAL" clId="{4CF48BAA-F83A-47C5-A4C6-B3C5C307B4BB}" dt="2022-01-20T09:47:04.667" v="2295" actId="20577"/>
           <ac:spMkLst>
             <pc:docMk/>
             <pc:sldMk cId="2805375369" sldId="259"/>
@@ -218,6 +232,76 @@
           </ac:spMkLst>
         </pc:spChg>
       </pc:sldChg>
+      <pc:sldChg chg="delSp modSp new mod">
+        <pc:chgData name="Julia Lobatón (s)" userId="03631203-4130-44e4-8322-dc08ad4e2bed" providerId="ADAL" clId="{4CF48BAA-F83A-47C5-A4C6-B3C5C307B4BB}" dt="2022-01-20T09:48:56.192" v="2307"/>
+        <pc:sldMkLst>
+          <pc:docMk/>
+          <pc:sldMk cId="474097145" sldId="261"/>
+        </pc:sldMkLst>
+        <pc:spChg chg="del">
+          <ac:chgData name="Julia Lobatón (s)" userId="03631203-4130-44e4-8322-dc08ad4e2bed" providerId="ADAL" clId="{4CF48BAA-F83A-47C5-A4C6-B3C5C307B4BB}" dt="2022-01-20T09:31:28.176" v="1549" actId="478"/>
+          <ac:spMkLst>
+            <pc:docMk/>
+            <pc:sldMk cId="474097145" sldId="261"/>
+            <ac:spMk id="2" creationId="{54F586C8-A724-40BF-8BD4-8087864EC04D}"/>
+          </ac:spMkLst>
+        </pc:spChg>
+        <pc:spChg chg="mod">
+          <ac:chgData name="Julia Lobatón (s)" userId="03631203-4130-44e4-8322-dc08ad4e2bed" providerId="ADAL" clId="{4CF48BAA-F83A-47C5-A4C6-B3C5C307B4BB}" dt="2022-01-20T09:48:56.192" v="2307"/>
+          <ac:spMkLst>
+            <pc:docMk/>
+            <pc:sldMk cId="474097145" sldId="261"/>
+            <ac:spMk id="3" creationId="{E4513B30-8C35-4BEA-B21D-B254A3B161E4}"/>
+          </ac:spMkLst>
+        </pc:spChg>
+      </pc:sldChg>
+      <pc:sldChg chg="addSp delSp modSp new mod">
+        <pc:chgData name="Julia Lobatón (s)" userId="03631203-4130-44e4-8322-dc08ad4e2bed" providerId="ADAL" clId="{4CF48BAA-F83A-47C5-A4C6-B3C5C307B4BB}" dt="2022-01-20T09:46:41.892" v="2273" actId="5793"/>
+        <pc:sldMkLst>
+          <pc:docMk/>
+          <pc:sldMk cId="3293023333" sldId="262"/>
+        </pc:sldMkLst>
+        <pc:spChg chg="mod">
+          <ac:chgData name="Julia Lobatón (s)" userId="03631203-4130-44e4-8322-dc08ad4e2bed" providerId="ADAL" clId="{4CF48BAA-F83A-47C5-A4C6-B3C5C307B4BB}" dt="2022-01-20T09:39:52.973" v="1991" actId="20577"/>
+          <ac:spMkLst>
+            <pc:docMk/>
+            <pc:sldMk cId="3293023333" sldId="262"/>
+            <ac:spMk id="2" creationId="{14EFD6CB-617F-497E-B1C6-87FCE74447CD}"/>
+          </ac:spMkLst>
+        </pc:spChg>
+        <pc:spChg chg="mod">
+          <ac:chgData name="Julia Lobatón (s)" userId="03631203-4130-44e4-8322-dc08ad4e2bed" providerId="ADAL" clId="{4CF48BAA-F83A-47C5-A4C6-B3C5C307B4BB}" dt="2022-01-20T09:46:41.892" v="2273" actId="5793"/>
+          <ac:spMkLst>
+            <pc:docMk/>
+            <pc:sldMk cId="3293023333" sldId="262"/>
+            <ac:spMk id="3" creationId="{FEA02571-EFFD-4EC9-9C01-B054EFD18371}"/>
+          </ac:spMkLst>
+        </pc:spChg>
+        <pc:spChg chg="add del">
+          <ac:chgData name="Julia Lobatón (s)" userId="03631203-4130-44e4-8322-dc08ad4e2bed" providerId="ADAL" clId="{4CF48BAA-F83A-47C5-A4C6-B3C5C307B4BB}" dt="2022-01-20T09:44:44.504" v="2166"/>
+          <ac:spMkLst>
+            <pc:docMk/>
+            <pc:sldMk cId="3293023333" sldId="262"/>
+            <ac:spMk id="4" creationId="{B4A2E7C3-4BFB-4F0D-A1CD-D5DE4FDE2592}"/>
+          </ac:spMkLst>
+        </pc:spChg>
+        <pc:spChg chg="add del">
+          <ac:chgData name="Julia Lobatón (s)" userId="03631203-4130-44e4-8322-dc08ad4e2bed" providerId="ADAL" clId="{4CF48BAA-F83A-47C5-A4C6-B3C5C307B4BB}" dt="2022-01-20T09:44:48.071" v="2168"/>
+          <ac:spMkLst>
+            <pc:docMk/>
+            <pc:sldMk cId="3293023333" sldId="262"/>
+            <ac:spMk id="5" creationId="{D514DA54-ABBE-430B-B4DF-EB48AE8F7685}"/>
+          </ac:spMkLst>
+        </pc:spChg>
+        <pc:spChg chg="add del">
+          <ac:chgData name="Julia Lobatón (s)" userId="03631203-4130-44e4-8322-dc08ad4e2bed" providerId="ADAL" clId="{4CF48BAA-F83A-47C5-A4C6-B3C5C307B4BB}" dt="2022-01-20T09:44:54.584" v="2179"/>
+          <ac:spMkLst>
+            <pc:docMk/>
+            <pc:sldMk cId="3293023333" sldId="262"/>
+            <ac:spMk id="6" creationId="{A8468371-CD81-4645-9F00-F4A18FF39121}"/>
+          </ac:spMkLst>
+        </pc:spChg>
+      </pc:sldChg>
     </pc:docChg>
   </pc:docChgLst>
 </pc:chgInfo>
@@ -372,7 +456,7 @@
           <a:p>
             <a:fld id="{1436ED40-F070-4A5A-9A19-B7F1A27E057B}" type="datetimeFigureOut">
               <a:rPr lang="de-CH" smtClean="0"/>
-              <a:t>13.01.2022</a:t>
+              <a:t>20.01.2022</a:t>
             </a:fld>
             <a:endParaRPr lang="de-CH"/>
           </a:p>
@@ -572,7 +656,7 @@
           <a:p>
             <a:fld id="{1436ED40-F070-4A5A-9A19-B7F1A27E057B}" type="datetimeFigureOut">
               <a:rPr lang="de-CH" smtClean="0"/>
-              <a:t>13.01.2022</a:t>
+              <a:t>20.01.2022</a:t>
             </a:fld>
             <a:endParaRPr lang="de-CH"/>
           </a:p>
@@ -782,7 +866,7 @@
           <a:p>
             <a:fld id="{1436ED40-F070-4A5A-9A19-B7F1A27E057B}" type="datetimeFigureOut">
               <a:rPr lang="de-CH" smtClean="0"/>
-              <a:t>13.01.2022</a:t>
+              <a:t>20.01.2022</a:t>
             </a:fld>
             <a:endParaRPr lang="de-CH"/>
           </a:p>
@@ -982,7 +1066,7 @@
           <a:p>
             <a:fld id="{1436ED40-F070-4A5A-9A19-B7F1A27E057B}" type="datetimeFigureOut">
               <a:rPr lang="de-CH" smtClean="0"/>
-              <a:t>13.01.2022</a:t>
+              <a:t>20.01.2022</a:t>
             </a:fld>
             <a:endParaRPr lang="de-CH"/>
           </a:p>
@@ -1258,7 +1342,7 @@
           <a:p>
             <a:fld id="{1436ED40-F070-4A5A-9A19-B7F1A27E057B}" type="datetimeFigureOut">
               <a:rPr lang="de-CH" smtClean="0"/>
-              <a:t>13.01.2022</a:t>
+              <a:t>20.01.2022</a:t>
             </a:fld>
             <a:endParaRPr lang="de-CH"/>
           </a:p>
@@ -1526,7 +1610,7 @@
           <a:p>
             <a:fld id="{1436ED40-F070-4A5A-9A19-B7F1A27E057B}" type="datetimeFigureOut">
               <a:rPr lang="de-CH" smtClean="0"/>
-              <a:t>13.01.2022</a:t>
+              <a:t>20.01.2022</a:t>
             </a:fld>
             <a:endParaRPr lang="de-CH"/>
           </a:p>
@@ -1941,7 +2025,7 @@
           <a:p>
             <a:fld id="{1436ED40-F070-4A5A-9A19-B7F1A27E057B}" type="datetimeFigureOut">
               <a:rPr lang="de-CH" smtClean="0"/>
-              <a:t>13.01.2022</a:t>
+              <a:t>20.01.2022</a:t>
             </a:fld>
             <a:endParaRPr lang="de-CH"/>
           </a:p>
@@ -2083,7 +2167,7 @@
           <a:p>
             <a:fld id="{1436ED40-F070-4A5A-9A19-B7F1A27E057B}" type="datetimeFigureOut">
               <a:rPr lang="de-CH" smtClean="0"/>
-              <a:t>13.01.2022</a:t>
+              <a:t>20.01.2022</a:t>
             </a:fld>
             <a:endParaRPr lang="de-CH"/>
           </a:p>
@@ -2196,7 +2280,7 @@
           <a:p>
             <a:fld id="{1436ED40-F070-4A5A-9A19-B7F1A27E057B}" type="datetimeFigureOut">
               <a:rPr lang="de-CH" smtClean="0"/>
-              <a:t>13.01.2022</a:t>
+              <a:t>20.01.2022</a:t>
             </a:fld>
             <a:endParaRPr lang="de-CH"/>
           </a:p>
@@ -2509,7 +2593,7 @@
           <a:p>
             <a:fld id="{1436ED40-F070-4A5A-9A19-B7F1A27E057B}" type="datetimeFigureOut">
               <a:rPr lang="de-CH" smtClean="0"/>
-              <a:t>13.01.2022</a:t>
+              <a:t>20.01.2022</a:t>
             </a:fld>
             <a:endParaRPr lang="de-CH"/>
           </a:p>
@@ -2798,7 +2882,7 @@
           <a:p>
             <a:fld id="{1436ED40-F070-4A5A-9A19-B7F1A27E057B}" type="datetimeFigureOut">
               <a:rPr lang="de-CH" smtClean="0"/>
-              <a:t>13.01.2022</a:t>
+              <a:t>20.01.2022</a:t>
             </a:fld>
             <a:endParaRPr lang="de-CH"/>
           </a:p>
@@ -3041,7 +3125,7 @@
           <a:p>
             <a:fld id="{1436ED40-F070-4A5A-9A19-B7F1A27E057B}" type="datetimeFigureOut">
               <a:rPr lang="de-CH" smtClean="0"/>
-              <a:t>13.01.2022</a:t>
+              <a:t>20.01.2022</a:t>
             </a:fld>
             <a:endParaRPr lang="de-CH"/>
           </a:p>
@@ -3476,7 +3560,7 @@
         </p:nvSpPr>
         <p:spPr>
           <a:xfrm>
-            <a:off x="561975" y="293688"/>
+            <a:off x="602919" y="143301"/>
             <a:ext cx="11353800" cy="1325563"/>
           </a:xfrm>
         </p:spPr>
@@ -3491,78 +3575,436 @@
           </a:p>
         </p:txBody>
       </p:sp>
-      <p:sp>
-        <p:nvSpPr>
-          <p:cNvPr id="3" name="Inhaltsplatzhalter 2">
-            <a:extLst>
-              <a:ext uri="{FF2B5EF4-FFF2-40B4-BE49-F238E27FC236}">
-                <a16:creationId xmlns:a16="http://schemas.microsoft.com/office/drawing/2014/main" id="{C3BF3367-CE3F-49AC-BC14-3393BE0FE90B}"/>
-              </a:ext>
-            </a:extLst>
-          </p:cNvPr>
-          <p:cNvSpPr>
-            <a:spLocks noGrp="1"/>
-          </p:cNvSpPr>
-          <p:nvPr>
-            <p:ph idx="1"/>
-          </p:nvPr>
-        </p:nvSpPr>
-        <p:spPr/>
-        <p:txBody>
-          <a:bodyPr/>
-          <a:lstStyle/>
-          <a:p>
-            <a:r>
-              <a:rPr lang="de-CH" dirty="0"/>
-              <a:t>Wahrscheinlichkeit für einen Netzdurchbruch pro Jahr</a:t>
-            </a:r>
-          </a:p>
-          <a:p>
-            <a:r>
-              <a:rPr lang="de-CH" dirty="0"/>
-              <a:t>Auto in der Gefahrenzone</a:t>
-            </a:r>
-          </a:p>
-          <a:p>
-            <a:pPr lvl="1"/>
-            <a:r>
-              <a:rPr lang="de-CH" dirty="0"/>
-              <a:t>Bremsweg, Reaktionsweg</a:t>
-            </a:r>
-          </a:p>
-          <a:p>
-            <a:pPr lvl="1"/>
-            <a:r>
-              <a:rPr lang="de-CH" dirty="0"/>
-              <a:t>Autolänge</a:t>
-            </a:r>
-          </a:p>
-          <a:p>
-            <a:pPr lvl="1"/>
-            <a:r>
-              <a:rPr lang="de-CH" dirty="0"/>
-              <a:t>Wahrscheinlichkeit Todesfall im Zusammenhang mit Steinschlag</a:t>
-            </a:r>
-          </a:p>
-          <a:p>
-            <a:pPr lvl="1"/>
-            <a:r>
-              <a:rPr lang="de-CH" dirty="0"/>
-              <a:t>Durchschnittspassagiere</a:t>
-            </a:r>
-          </a:p>
-          <a:p>
-            <a:r>
-              <a:rPr lang="de-CH" dirty="0"/>
-              <a:t>Verknüpfung</a:t>
-            </a:r>
-          </a:p>
-          <a:p>
-            <a:pPr lvl="1"/>
-            <a:endParaRPr lang="de-CH" dirty="0"/>
-          </a:p>
-        </p:txBody>
-      </p:sp>
+      <mc:AlternateContent xmlns:mc="http://schemas.openxmlformats.org/markup-compatibility/2006">
+        <mc:Choice xmlns:a14="http://schemas.microsoft.com/office/drawing/2010/main" Requires="a14">
+          <p:sp>
+            <p:nvSpPr>
+              <p:cNvPr id="3" name="Inhaltsplatzhalter 2">
+                <a:extLst>
+                  <a:ext uri="{FF2B5EF4-FFF2-40B4-BE49-F238E27FC236}">
+                    <a16:creationId xmlns:a16="http://schemas.microsoft.com/office/drawing/2014/main" id="{C3BF3367-CE3F-49AC-BC14-3393BE0FE90B}"/>
+                  </a:ext>
+                </a:extLst>
+              </p:cNvPr>
+              <p:cNvSpPr>
+                <a:spLocks noGrp="1"/>
+              </p:cNvSpPr>
+              <p:nvPr>
+                <p:ph idx="1"/>
+              </p:nvPr>
+            </p:nvSpPr>
+            <p:spPr>
+              <a:xfrm>
+                <a:off x="838200" y="1468864"/>
+                <a:ext cx="10515600" cy="5095448"/>
+              </a:xfrm>
+            </p:spPr>
+            <p:txBody>
+              <a:bodyPr>
+                <a:normAutofit/>
+              </a:bodyPr>
+              <a:lstStyle/>
+              <a:p>
+                <a:r>
+                  <a:rPr lang="de-CH" dirty="0"/>
+                  <a:t>Wahrscheinlichkeit für einen Netzdurchbruch pro Jahr</a:t>
+                </a:r>
+              </a:p>
+              <a:p>
+                <a:pPr lvl="1"/>
+                <a14:m>
+                  <m:oMath xmlns:m="http://schemas.openxmlformats.org/officeDocument/2006/math">
+                    <m:f>
+                      <m:fPr>
+                        <m:ctrlPr>
+                          <a:rPr lang="de-CH" i="1">
+                            <a:latin typeface="Cambria Math" panose="02040503050406030204" pitchFamily="18" charset="0"/>
+                          </a:rPr>
+                        </m:ctrlPr>
+                      </m:fPr>
+                      <m:num>
+                        <m:r>
+                          <a:rPr lang="de-CH" i="1">
+                            <a:latin typeface="Cambria Math" panose="02040503050406030204" pitchFamily="18" charset="0"/>
+                          </a:rPr>
+                          <m:t>𝐷𝑢𝑟𝑐h𝑏𝑟</m:t>
+                        </m:r>
+                        <m:r>
+                          <a:rPr lang="de-CH" i="1">
+                            <a:latin typeface="Cambria Math" panose="02040503050406030204" pitchFamily="18" charset="0"/>
+                          </a:rPr>
+                          <m:t>ü</m:t>
+                        </m:r>
+                        <m:r>
+                          <a:rPr lang="de-CH" i="1">
+                            <a:latin typeface="Cambria Math" panose="02040503050406030204" pitchFamily="18" charset="0"/>
+                          </a:rPr>
+                          <m:t>𝑐h𝑒</m:t>
+                        </m:r>
+                      </m:num>
+                      <m:den>
+                        <m:r>
+                          <a:rPr lang="de-CH" b="0" i="1" smtClean="0">
+                            <a:latin typeface="Cambria Math" panose="02040503050406030204" pitchFamily="18" charset="0"/>
+                          </a:rPr>
+                          <m:t>𝑠𝑖𝑚𝑢𝑙𝑖𝑒𝑟𝑡𝑒</m:t>
+                        </m:r>
+                        <m:r>
+                          <a:rPr lang="de-CH" b="0" i="1" smtClean="0">
+                            <a:latin typeface="Cambria Math" panose="02040503050406030204" pitchFamily="18" charset="0"/>
+                          </a:rPr>
+                          <m:t> </m:t>
+                        </m:r>
+                        <m:r>
+                          <a:rPr lang="de-CH" i="1">
+                            <a:latin typeface="Cambria Math" panose="02040503050406030204" pitchFamily="18" charset="0"/>
+                          </a:rPr>
+                          <m:t>𝐽𝑎h𝑟𝑒</m:t>
+                        </m:r>
+                        <m:r>
+                          <a:rPr lang="de-CH" i="1">
+                            <a:latin typeface="Cambria Math" panose="02040503050406030204" pitchFamily="18" charset="0"/>
+                          </a:rPr>
+                          <m:t> </m:t>
+                        </m:r>
+                      </m:den>
+                    </m:f>
+                  </m:oMath>
+                </a14:m>
+                <a:endParaRPr lang="de-CH" i="1" dirty="0">
+                  <a:latin typeface="Cambria Math" panose="02040503050406030204" pitchFamily="18" charset="0"/>
+                </a:endParaRPr>
+              </a:p>
+              <a:p>
+                <a:pPr marL="457200" lvl="1" indent="0">
+                  <a:buNone/>
+                </a:pPr>
+                <a:endParaRPr lang="de-CH" i="1" dirty="0">
+                  <a:latin typeface="Cambria Math" panose="02040503050406030204" pitchFamily="18" charset="0"/>
+                </a:endParaRPr>
+              </a:p>
+              <a:p>
+                <a:r>
+                  <a:rPr lang="de-CH" dirty="0"/>
+                  <a:t>Wahrscheinlichkeit für ein Auto in der Gefahrenzone zu sein pro Tag</a:t>
+                </a:r>
+              </a:p>
+              <a:p>
+                <a:pPr lvl="1"/>
+                <a:r>
+                  <a:rPr lang="de-CH" dirty="0"/>
+                  <a:t>Gefahrenzone = Bremsweg + Reaktionsweg + Autolänge</a:t>
+                </a:r>
+              </a:p>
+              <a:p>
+                <a:pPr lvl="2"/>
+                <a:endParaRPr lang="de-CH" dirty="0"/>
+              </a:p>
+              <a:p>
+                <a:pPr lvl="2"/>
+                <a:r>
+                  <a:rPr lang="de-CH" dirty="0"/>
+                  <a:t>Bremsweg = </a:t>
+                </a:r>
+                <a14:m>
+                  <m:oMath xmlns:m="http://schemas.openxmlformats.org/officeDocument/2006/math">
+                    <m:f>
+                      <m:fPr>
+                        <m:ctrlPr>
+                          <a:rPr lang="de-CH" b="0" i="1" smtClean="0">
+                            <a:latin typeface="Cambria Math" panose="02040503050406030204" pitchFamily="18" charset="0"/>
+                          </a:rPr>
+                        </m:ctrlPr>
+                      </m:fPr>
+                      <m:num>
+                        <m:d>
+                          <m:dPr>
+                            <m:ctrlPr>
+                              <a:rPr lang="de-CH" b="0" i="0" smtClean="0">
+                                <a:latin typeface="Cambria Math" panose="02040503050406030204" pitchFamily="18" charset="0"/>
+                              </a:rPr>
+                            </m:ctrlPr>
+                          </m:dPr>
+                          <m:e>
+                            <m:r>
+                              <a:rPr lang="de-CH" b="0" i="1" smtClean="0">
+                                <a:latin typeface="Cambria Math" panose="02040503050406030204" pitchFamily="18" charset="0"/>
+                              </a:rPr>
+                              <m:t>𝐺𝑒𝑠𝑐h𝑤𝑖𝑛𝑑𝑖𝑔𝑘𝑒𝑖𝑡</m:t>
+                            </m:r>
+                            <m:r>
+                              <a:rPr lang="de-CH" b="0" i="1" smtClean="0">
+                                <a:latin typeface="Cambria Math" panose="02040503050406030204" pitchFamily="18" charset="0"/>
+                              </a:rPr>
+                              <m:t> </m:t>
+                            </m:r>
+                            <m:r>
+                              <a:rPr lang="de-CH" b="0" i="1" smtClean="0">
+                                <a:latin typeface="Cambria Math" panose="02040503050406030204" pitchFamily="18" charset="0"/>
+                              </a:rPr>
+                              <m:t>𝑖𝑛</m:t>
+                            </m:r>
+                            <m:f>
+                              <m:fPr>
+                                <m:ctrlPr>
+                                  <a:rPr lang="de-CH" b="0" i="1" smtClean="0">
+                                    <a:latin typeface="Cambria Math" panose="02040503050406030204" pitchFamily="18" charset="0"/>
+                                  </a:rPr>
+                                </m:ctrlPr>
+                              </m:fPr>
+                              <m:num>
+                                <m:r>
+                                  <a:rPr lang="de-CH" b="0" i="1" smtClean="0">
+                                    <a:latin typeface="Cambria Math" panose="02040503050406030204" pitchFamily="18" charset="0"/>
+                                  </a:rPr>
+                                  <m:t>𝑘𝑚</m:t>
+                                </m:r>
+                              </m:num>
+                              <m:den>
+                                <m:r>
+                                  <a:rPr lang="de-CH" b="0" i="1" smtClean="0">
+                                    <a:latin typeface="Cambria Math" panose="02040503050406030204" pitchFamily="18" charset="0"/>
+                                  </a:rPr>
+                                  <m:t>h</m:t>
+                                </m:r>
+                              </m:den>
+                            </m:f>
+                          </m:e>
+                        </m:d>
+                      </m:num>
+                      <m:den>
+                        <m:r>
+                          <a:rPr lang="de-CH" b="0" i="1" smtClean="0">
+                            <a:latin typeface="Cambria Math" panose="02040503050406030204" pitchFamily="18" charset="0"/>
+                          </a:rPr>
+                          <m:t>10</m:t>
+                        </m:r>
+                      </m:den>
+                    </m:f>
+                    <m:r>
+                      <a:rPr lang="de-CH" b="0" i="1" smtClean="0">
+                        <a:latin typeface="Cambria Math" panose="02040503050406030204" pitchFamily="18" charset="0"/>
+                      </a:rPr>
+                      <m:t> ∗</m:t>
+                    </m:r>
+                    <m:f>
+                      <m:fPr>
+                        <m:ctrlPr>
+                          <a:rPr lang="de-CH" i="1">
+                            <a:latin typeface="Cambria Math" panose="02040503050406030204" pitchFamily="18" charset="0"/>
+                          </a:rPr>
+                        </m:ctrlPr>
+                      </m:fPr>
+                      <m:num>
+                        <m:d>
+                          <m:dPr>
+                            <m:ctrlPr>
+                              <a:rPr lang="de-CH" i="1">
+                                <a:latin typeface="Cambria Math" panose="02040503050406030204" pitchFamily="18" charset="0"/>
+                              </a:rPr>
+                            </m:ctrlPr>
+                          </m:dPr>
+                          <m:e>
+                            <m:r>
+                              <a:rPr lang="de-CH" i="1">
+                                <a:latin typeface="Cambria Math" panose="02040503050406030204" pitchFamily="18" charset="0"/>
+                              </a:rPr>
+                              <m:t>𝐺𝑒𝑠𝑐h𝑤𝑖𝑛𝑑𝑖𝑔𝑘𝑒𝑖𝑡</m:t>
+                            </m:r>
+                            <m:r>
+                              <a:rPr lang="de-CH" i="1">
+                                <a:latin typeface="Cambria Math" panose="02040503050406030204" pitchFamily="18" charset="0"/>
+                              </a:rPr>
+                              <m:t> </m:t>
+                            </m:r>
+                            <m:r>
+                              <a:rPr lang="de-CH" i="1">
+                                <a:latin typeface="Cambria Math" panose="02040503050406030204" pitchFamily="18" charset="0"/>
+                              </a:rPr>
+                              <m:t>𝑖𝑛</m:t>
+                            </m:r>
+                            <m:f>
+                              <m:fPr>
+                                <m:ctrlPr>
+                                  <a:rPr lang="de-CH" i="1">
+                                    <a:latin typeface="Cambria Math" panose="02040503050406030204" pitchFamily="18" charset="0"/>
+                                  </a:rPr>
+                                </m:ctrlPr>
+                              </m:fPr>
+                              <m:num>
+                                <m:r>
+                                  <a:rPr lang="de-CH" i="1">
+                                    <a:latin typeface="Cambria Math" panose="02040503050406030204" pitchFamily="18" charset="0"/>
+                                  </a:rPr>
+                                  <m:t>𝑘𝑚</m:t>
+                                </m:r>
+                              </m:num>
+                              <m:den>
+                                <m:r>
+                                  <a:rPr lang="de-CH" i="1">
+                                    <a:latin typeface="Cambria Math" panose="02040503050406030204" pitchFamily="18" charset="0"/>
+                                  </a:rPr>
+                                  <m:t>h</m:t>
+                                </m:r>
+                              </m:den>
+                            </m:f>
+                          </m:e>
+                        </m:d>
+                      </m:num>
+                      <m:den>
+                        <m:r>
+                          <a:rPr lang="de-CH" i="1">
+                            <a:latin typeface="Cambria Math" panose="02040503050406030204" pitchFamily="18" charset="0"/>
+                          </a:rPr>
+                          <m:t>10</m:t>
+                        </m:r>
+                      </m:den>
+                    </m:f>
+                    <m:r>
+                      <a:rPr lang="de-CH" b="0" i="1" smtClean="0">
+                        <a:latin typeface="Cambria Math" panose="02040503050406030204" pitchFamily="18" charset="0"/>
+                      </a:rPr>
+                      <m:t>/2</m:t>
+                    </m:r>
+                  </m:oMath>
+                </a14:m>
+                <a:endParaRPr lang="de-CH" b="0" dirty="0"/>
+              </a:p>
+              <a:p>
+                <a:pPr lvl="2"/>
+                <a:endParaRPr lang="de-CH" dirty="0"/>
+              </a:p>
+              <a:p>
+                <a:pPr lvl="2"/>
+                <a:r>
+                  <a:rPr lang="de-CH" dirty="0"/>
+                  <a:t>Reaktionsweg = </a:t>
+                </a:r>
+                <a14:m>
+                  <m:oMath xmlns:m="http://schemas.openxmlformats.org/officeDocument/2006/math">
+                    <m:r>
+                      <a:rPr lang="de-CH" b="0" i="1" smtClean="0">
+                        <a:latin typeface="Cambria Math" panose="02040503050406030204" pitchFamily="18" charset="0"/>
+                      </a:rPr>
+                      <m:t>(</m:t>
+                    </m:r>
+                    <m:f>
+                      <m:fPr>
+                        <m:ctrlPr>
+                          <a:rPr lang="de-CH" b="0" i="1" smtClean="0">
+                            <a:latin typeface="Cambria Math" panose="02040503050406030204" pitchFamily="18" charset="0"/>
+                          </a:rPr>
+                        </m:ctrlPr>
+                      </m:fPr>
+                      <m:num>
+                        <m:r>
+                          <a:rPr lang="de-CH" b="0" i="1" smtClean="0">
+                            <a:latin typeface="Cambria Math" panose="02040503050406030204" pitchFamily="18" charset="0"/>
+                          </a:rPr>
+                          <m:t>𝐺𝑒𝑠𝑐h𝑤𝑖𝑛𝑑𝑖𝑔𝑘𝑒𝑖𝑡𝐴𝑢𝑡𝑜</m:t>
+                        </m:r>
+                      </m:num>
+                      <m:den>
+                        <m:r>
+                          <a:rPr lang="de-CH" b="0" i="1" smtClean="0">
+                            <a:latin typeface="Cambria Math" panose="02040503050406030204" pitchFamily="18" charset="0"/>
+                          </a:rPr>
+                          <m:t>10</m:t>
+                        </m:r>
+                      </m:den>
+                    </m:f>
+                    <m:r>
+                      <a:rPr lang="de-CH" b="0" i="1" smtClean="0">
+                        <a:latin typeface="Cambria Math" panose="02040503050406030204" pitchFamily="18" charset="0"/>
+                      </a:rPr>
+                      <m:t>∗3)</m:t>
+                    </m:r>
+                  </m:oMath>
+                </a14:m>
+                <a:endParaRPr lang="de-CH" dirty="0"/>
+              </a:p>
+              <a:p>
+                <a:pPr marL="914400" lvl="2" indent="0">
+                  <a:buNone/>
+                </a:pPr>
+                <a:endParaRPr lang="de-CH" dirty="0"/>
+              </a:p>
+              <a:p>
+                <a:pPr lvl="2"/>
+                <a:r>
+                  <a:rPr lang="de-CH" dirty="0"/>
+                  <a:t>Autolänge 4,4 Meter</a:t>
+                </a:r>
+              </a:p>
+              <a:p>
+                <a:pPr lvl="2"/>
+                <a:r>
+                  <a:rPr lang="de-CH" dirty="0"/>
+                  <a:t>Gefahrenzone = 40,4 Meter</a:t>
+                </a:r>
+              </a:p>
+              <a:p>
+                <a:pPr lvl="2"/>
+                <a:endParaRPr lang="de-CH" i="1" dirty="0">
+                  <a:latin typeface="Cambria Math" panose="02040503050406030204" pitchFamily="18" charset="0"/>
+                </a:endParaRPr>
+              </a:p>
+              <a:p>
+                <a:endParaRPr lang="de-CH" dirty="0"/>
+              </a:p>
+              <a:p>
+                <a:pPr marL="457200" lvl="1" indent="0">
+                  <a:buNone/>
+                </a:pPr>
+                <a:endParaRPr lang="de-CH" dirty="0"/>
+              </a:p>
+            </p:txBody>
+          </p:sp>
+        </mc:Choice>
+        <mc:Fallback>
+          <p:sp>
+            <p:nvSpPr>
+              <p:cNvPr id="3" name="Inhaltsplatzhalter 2">
+                <a:extLst>
+                  <a:ext uri="{FF2B5EF4-FFF2-40B4-BE49-F238E27FC236}">
+                    <a16:creationId xmlns:a16="http://schemas.microsoft.com/office/drawing/2014/main" id="{C3BF3367-CE3F-49AC-BC14-3393BE0FE90B}"/>
+                  </a:ext>
+                </a:extLst>
+              </p:cNvPr>
+              <p:cNvSpPr>
+                <a:spLocks noGrp="1" noRot="1" noChangeAspect="1" noMove="1" noResize="1" noEditPoints="1" noAdjustHandles="1" noChangeArrowheads="1" noChangeShapeType="1" noTextEdit="1"/>
+              </p:cNvSpPr>
+              <p:nvPr>
+                <p:ph idx="1"/>
+              </p:nvPr>
+            </p:nvSpPr>
+            <p:spPr>
+              <a:xfrm>
+                <a:off x="838200" y="1468864"/>
+                <a:ext cx="10515600" cy="5095448"/>
+              </a:xfrm>
+              <a:blipFill>
+                <a:blip r:embed="rId2"/>
+                <a:stretch>
+                  <a:fillRect l="-1043" t="-2033" b="-1794"/>
+                </a:stretch>
+              </a:blipFill>
+            </p:spPr>
+            <p:txBody>
+              <a:bodyPr/>
+              <a:lstStyle/>
+              <a:p>
+                <a:r>
+                  <a:rPr lang="de-CH">
+                    <a:noFill/>
+                  </a:rPr>
+                  <a:t> </a:t>
+                </a:r>
+              </a:p>
+            </p:txBody>
+          </p:sp>
+        </mc:Fallback>
+      </mc:AlternateContent>
     </p:spTree>
     <p:extLst>
       <p:ext uri="{BB962C8B-B14F-4D97-AF65-F5344CB8AC3E}">
@@ -3593,118 +4035,195 @@
           <a:chExt cx="0" cy="0"/>
         </a:xfrm>
       </p:grpSpPr>
-      <p:sp>
-        <p:nvSpPr>
-          <p:cNvPr id="2" name="Titel 1">
-            <a:extLst>
-              <a:ext uri="{FF2B5EF4-FFF2-40B4-BE49-F238E27FC236}">
-                <a16:creationId xmlns:a16="http://schemas.microsoft.com/office/drawing/2014/main" id="{BC617761-EE5F-43EF-94C3-8C2D1BB47C66}"/>
-              </a:ext>
-            </a:extLst>
-          </p:cNvPr>
-          <p:cNvSpPr>
-            <a:spLocks noGrp="1"/>
-          </p:cNvSpPr>
-          <p:nvPr>
-            <p:ph type="title"/>
-          </p:nvPr>
-        </p:nvSpPr>
-        <p:spPr/>
-        <p:txBody>
-          <a:bodyPr/>
-          <a:lstStyle/>
-          <a:p>
-            <a:r>
-              <a:rPr lang="de-CH" dirty="0"/>
-              <a:t>Grenzwert prüfen</a:t>
-            </a:r>
-          </a:p>
-        </p:txBody>
-      </p:sp>
-      <p:sp>
-        <p:nvSpPr>
-          <p:cNvPr id="3" name="Inhaltsplatzhalter 2">
-            <a:extLst>
-              <a:ext uri="{FF2B5EF4-FFF2-40B4-BE49-F238E27FC236}">
-                <a16:creationId xmlns:a16="http://schemas.microsoft.com/office/drawing/2014/main" id="{BB700ECD-8055-4EB4-B0D6-C5271C0C1B1C}"/>
-              </a:ext>
-            </a:extLst>
-          </p:cNvPr>
-          <p:cNvSpPr>
-            <a:spLocks noGrp="1"/>
-          </p:cNvSpPr>
-          <p:nvPr>
-            <p:ph idx="1"/>
-          </p:nvPr>
-        </p:nvSpPr>
-        <p:spPr/>
-        <p:txBody>
-          <a:bodyPr/>
-          <a:lstStyle/>
-          <a:p>
-            <a:r>
-              <a:rPr lang="de-CH" dirty="0"/>
-              <a:t>Wird Grenzwert überschritten?</a:t>
-            </a:r>
-          </a:p>
-          <a:p>
-            <a:pPr lvl="1"/>
-            <a:r>
-              <a:rPr lang="de-CH" dirty="0">
-                <a:effectLst/>
-                <a:ea typeface="Calibri" panose="020F0502020204030204" pitchFamily="34" charset="0"/>
-                <a:cs typeface="Times New Roman" panose="02020603050405020304" pitchFamily="18" charset="0"/>
-              </a:rPr>
-              <a:t>10</a:t>
-            </a:r>
-            <a:r>
-              <a:rPr lang="de-CH" baseline="30000" dirty="0">
-                <a:effectLst/>
-                <a:ea typeface="Calibri" panose="020F0502020204030204" pitchFamily="34" charset="0"/>
-                <a:cs typeface="Times New Roman" panose="02020603050405020304" pitchFamily="18" charset="0"/>
-              </a:rPr>
-              <a:t>-4  </a:t>
-            </a:r>
-            <a:r>
-              <a:rPr lang="de-CH" dirty="0"/>
-              <a:t>= (0,0001)</a:t>
-            </a:r>
-          </a:p>
-          <a:p>
-            <a:pPr lvl="1"/>
-            <a:endParaRPr lang="de-CH" dirty="0"/>
-          </a:p>
-          <a:p>
-            <a:r>
-              <a:rPr lang="de-CH" dirty="0"/>
-              <a:t>Berechnung Todesfallwahrscheinlichkeit </a:t>
-            </a:r>
-          </a:p>
-          <a:p>
-            <a:pPr lvl="1"/>
-            <a:r>
-              <a:rPr lang="de-CH" dirty="0"/>
-              <a:t>Zu hoch -&gt; Strasse muss geschlossen werden</a:t>
-            </a:r>
-          </a:p>
-          <a:p>
-            <a:pPr lvl="1"/>
-            <a:endParaRPr lang="de-CH" dirty="0">
-              <a:effectLst/>
-              <a:ea typeface="Calibri" panose="020F0502020204030204" pitchFamily="34" charset="0"/>
-              <a:cs typeface="Times New Roman" panose="02020603050405020304" pitchFamily="18" charset="0"/>
-            </a:endParaRPr>
-          </a:p>
-          <a:p>
-            <a:pPr lvl="1"/>
-            <a:endParaRPr lang="de-CH" dirty="0"/>
-          </a:p>
-        </p:txBody>
-      </p:sp>
+      <mc:AlternateContent xmlns:mc="http://schemas.openxmlformats.org/markup-compatibility/2006">
+        <mc:Choice xmlns:a14="http://schemas.microsoft.com/office/drawing/2010/main" Requires="a14">
+          <p:sp>
+            <p:nvSpPr>
+              <p:cNvPr id="3" name="Inhaltsplatzhalter 2">
+                <a:extLst>
+                  <a:ext uri="{FF2B5EF4-FFF2-40B4-BE49-F238E27FC236}">
+                    <a16:creationId xmlns:a16="http://schemas.microsoft.com/office/drawing/2014/main" id="{E4513B30-8C35-4BEA-B21D-B254A3B161E4}"/>
+                  </a:ext>
+                </a:extLst>
+              </p:cNvPr>
+              <p:cNvSpPr>
+                <a:spLocks noGrp="1"/>
+              </p:cNvSpPr>
+              <p:nvPr>
+                <p:ph idx="1"/>
+              </p:nvPr>
+            </p:nvSpPr>
+            <p:spPr>
+              <a:xfrm>
+                <a:off x="838200" y="551543"/>
+                <a:ext cx="10515600" cy="5625420"/>
+              </a:xfrm>
+            </p:spPr>
+            <p:txBody>
+              <a:bodyPr/>
+              <a:lstStyle/>
+              <a:p>
+                <a14:m>
+                  <m:oMath xmlns:m="http://schemas.openxmlformats.org/officeDocument/2006/math">
+                    <m:f>
+                      <m:fPr>
+                        <m:ctrlPr>
+                          <a:rPr lang="de-CH" i="1" smtClean="0">
+                            <a:latin typeface="Cambria Math" panose="02040503050406030204" pitchFamily="18" charset="0"/>
+                          </a:rPr>
+                        </m:ctrlPr>
+                      </m:fPr>
+                      <m:num>
+                        <m:r>
+                          <a:rPr lang="de-CH" i="1">
+                            <a:latin typeface="Cambria Math" panose="02040503050406030204" pitchFamily="18" charset="0"/>
+                          </a:rPr>
+                          <m:t>𝐺𝑒𝑓𝑎h𝑟𝑒𝑛𝑧𝑜𝑛𝑒</m:t>
+                        </m:r>
+                      </m:num>
+                      <m:den>
+                        <m:r>
+                          <a:rPr lang="de-CH" i="1">
+                            <a:latin typeface="Cambria Math" panose="02040503050406030204" pitchFamily="18" charset="0"/>
+                          </a:rPr>
+                          <m:t>𝐺𝑒𝑠𝑐h𝑤𝑖𝑛𝑑𝑖𝑔𝑘𝑒𝑖𝑡</m:t>
+                        </m:r>
+                        <m:r>
+                          <a:rPr lang="de-CH" i="1">
+                            <a:latin typeface="Cambria Math" panose="02040503050406030204" pitchFamily="18" charset="0"/>
+                          </a:rPr>
+                          <m:t> </m:t>
+                        </m:r>
+                        <m:r>
+                          <a:rPr lang="de-CH" i="1">
+                            <a:latin typeface="Cambria Math" panose="02040503050406030204" pitchFamily="18" charset="0"/>
+                          </a:rPr>
+                          <m:t>𝐴𝑢𝑡𝑜</m:t>
+                        </m:r>
+                        <m:r>
+                          <a:rPr lang="de-CH" i="1">
+                            <a:latin typeface="Cambria Math" panose="02040503050406030204" pitchFamily="18" charset="0"/>
+                          </a:rPr>
+                          <m:t> </m:t>
+                        </m:r>
+                        <m:r>
+                          <a:rPr lang="de-CH" i="1">
+                            <a:latin typeface="Cambria Math" panose="02040503050406030204" pitchFamily="18" charset="0"/>
+                          </a:rPr>
+                          <m:t>𝑖𝑛</m:t>
+                        </m:r>
+                        <m:f>
+                          <m:fPr>
+                            <m:ctrlPr>
+                              <a:rPr lang="de-CH" i="1">
+                                <a:latin typeface="Cambria Math" panose="02040503050406030204" pitchFamily="18" charset="0"/>
+                              </a:rPr>
+                            </m:ctrlPr>
+                          </m:fPr>
+                          <m:num>
+                            <m:r>
+                              <a:rPr lang="de-CH" i="1">
+                                <a:latin typeface="Cambria Math" panose="02040503050406030204" pitchFamily="18" charset="0"/>
+                              </a:rPr>
+                              <m:t>𝑚</m:t>
+                            </m:r>
+                          </m:num>
+                          <m:den>
+                            <m:r>
+                              <a:rPr lang="de-CH" i="1">
+                                <a:latin typeface="Cambria Math" panose="02040503050406030204" pitchFamily="18" charset="0"/>
+                              </a:rPr>
+                              <m:t>𝑠</m:t>
+                            </m:r>
+                          </m:den>
+                        </m:f>
+                      </m:den>
+                    </m:f>
+                    <m:r>
+                      <a:rPr lang="de-CH" b="0" i="1" smtClean="0">
+                        <a:latin typeface="Cambria Math" panose="02040503050406030204" pitchFamily="18" charset="0"/>
+                      </a:rPr>
+                      <m:t>/(60∗60)</m:t>
+                    </m:r>
+                  </m:oMath>
+                </a14:m>
+                <a:r>
+                  <a:rPr lang="de-CH" i="1" dirty="0">
+                    <a:latin typeface="Cambria Math" panose="02040503050406030204" pitchFamily="18" charset="0"/>
+                  </a:rPr>
+                  <a:t> </a:t>
+                </a:r>
+                <a:r>
+                  <a:rPr lang="de-CH" sz="3200" dirty="0"/>
+                  <a:t>= 0,000673</a:t>
+                </a:r>
+              </a:p>
+              <a:p>
+                <a:endParaRPr lang="de-CH" sz="2800" dirty="0"/>
+              </a:p>
+              <a:p>
+                <a:r>
+                  <a:rPr lang="de-CH" sz="2800" dirty="0"/>
+                  <a:t>4 / 14 Personen verunfallen tödlich auf Hauptstrassen im Zusammenhang mit einem Steinschlag</a:t>
+                </a:r>
+              </a:p>
+              <a:p>
+                <a:r>
+                  <a:rPr lang="de-CH" dirty="0"/>
+                  <a:t>1,66 Durchschnittspassagiere pro Fahrzeug</a:t>
+                </a:r>
+              </a:p>
+            </p:txBody>
+          </p:sp>
+        </mc:Choice>
+        <mc:Fallback>
+          <p:sp>
+            <p:nvSpPr>
+              <p:cNvPr id="3" name="Inhaltsplatzhalter 2">
+                <a:extLst>
+                  <a:ext uri="{FF2B5EF4-FFF2-40B4-BE49-F238E27FC236}">
+                    <a16:creationId xmlns:a16="http://schemas.microsoft.com/office/drawing/2014/main" id="{E4513B30-8C35-4BEA-B21D-B254A3B161E4}"/>
+                  </a:ext>
+                </a:extLst>
+              </p:cNvPr>
+              <p:cNvSpPr>
+                <a:spLocks noGrp="1" noRot="1" noChangeAspect="1" noMove="1" noResize="1" noEditPoints="1" noAdjustHandles="1" noChangeArrowheads="1" noChangeShapeType="1" noTextEdit="1"/>
+              </p:cNvSpPr>
+              <p:nvPr>
+                <p:ph idx="1"/>
+              </p:nvPr>
+            </p:nvSpPr>
+            <p:spPr>
+              <a:xfrm>
+                <a:off x="838200" y="551543"/>
+                <a:ext cx="10515600" cy="5625420"/>
+              </a:xfrm>
+              <a:blipFill>
+                <a:blip r:embed="rId2"/>
+                <a:stretch>
+                  <a:fillRect l="-1043" t="-1408"/>
+                </a:stretch>
+              </a:blipFill>
+            </p:spPr>
+            <p:txBody>
+              <a:bodyPr/>
+              <a:lstStyle/>
+              <a:p>
+                <a:r>
+                  <a:rPr lang="de-CH">
+                    <a:noFill/>
+                  </a:rPr>
+                  <a:t> </a:t>
+                </a:r>
+              </a:p>
+            </p:txBody>
+          </p:sp>
+        </mc:Fallback>
+      </mc:AlternateContent>
     </p:spTree>
     <p:extLst>
       <p:ext uri="{BB962C8B-B14F-4D97-AF65-F5344CB8AC3E}">
-        <p14:creationId xmlns:p14="http://schemas.microsoft.com/office/powerpoint/2010/main" val="3825416342"/>
+        <p14:creationId xmlns:p14="http://schemas.microsoft.com/office/powerpoint/2010/main" val="474097145"/>
       </p:ext>
     </p:extLst>
   </p:cSld>
@@ -3736,6 +4255,117 @@
           <p:cNvPr id="2" name="Titel 1">
             <a:extLst>
               <a:ext uri="{FF2B5EF4-FFF2-40B4-BE49-F238E27FC236}">
+                <a16:creationId xmlns:a16="http://schemas.microsoft.com/office/drawing/2014/main" id="{14EFD6CB-617F-497E-B1C6-87FCE74447CD}"/>
+              </a:ext>
+            </a:extLst>
+          </p:cNvPr>
+          <p:cNvSpPr>
+            <a:spLocks noGrp="1"/>
+          </p:cNvSpPr>
+          <p:nvPr>
+            <p:ph type="title"/>
+          </p:nvPr>
+        </p:nvSpPr>
+        <p:spPr/>
+        <p:txBody>
+          <a:bodyPr/>
+          <a:lstStyle/>
+          <a:p>
+            <a:r>
+              <a:rPr lang="de-CH" dirty="0"/>
+              <a:t>Verknüpfung der Wahrscheinlichkeiten</a:t>
+            </a:r>
+          </a:p>
+        </p:txBody>
+      </p:sp>
+      <p:sp>
+        <p:nvSpPr>
+          <p:cNvPr id="3" name="Inhaltsplatzhalter 2">
+            <a:extLst>
+              <a:ext uri="{FF2B5EF4-FFF2-40B4-BE49-F238E27FC236}">
+                <a16:creationId xmlns:a16="http://schemas.microsoft.com/office/drawing/2014/main" id="{FEA02571-EFFD-4EC9-9C01-B054EFD18371}"/>
+              </a:ext>
+            </a:extLst>
+          </p:cNvPr>
+          <p:cNvSpPr>
+            <a:spLocks noGrp="1"/>
+          </p:cNvSpPr>
+          <p:nvPr>
+            <p:ph idx="1"/>
+          </p:nvPr>
+        </p:nvSpPr>
+        <p:spPr/>
+        <p:txBody>
+          <a:bodyPr/>
+          <a:lstStyle/>
+          <a:p>
+            <a:r>
+              <a:rPr lang="de-CH" dirty="0"/>
+              <a:t>Todesfallwahrscheinlichkeit</a:t>
+            </a:r>
+          </a:p>
+          <a:p>
+            <a:r>
+              <a:rPr lang="de-CH" dirty="0"/>
+              <a:t>0.00017</a:t>
+            </a:r>
+          </a:p>
+          <a:p>
+            <a:pPr marL="0" indent="0">
+              <a:buNone/>
+            </a:pPr>
+            <a:endParaRPr lang="de-CH" dirty="0"/>
+          </a:p>
+          <a:p>
+            <a:r>
+              <a:rPr lang="de-CH" dirty="0"/>
+              <a:t>Grenzwert von 0.0001 überschritten?</a:t>
+            </a:r>
+          </a:p>
+          <a:p>
+            <a:pPr lvl="1"/>
+            <a:r>
+              <a:rPr lang="de-CH" dirty="0"/>
+              <a:t>Ja -&gt; Strasse muss geschlossen werden</a:t>
+            </a:r>
+          </a:p>
+        </p:txBody>
+      </p:sp>
+    </p:spTree>
+    <p:extLst>
+      <p:ext uri="{BB962C8B-B14F-4D97-AF65-F5344CB8AC3E}">
+        <p14:creationId xmlns:p14="http://schemas.microsoft.com/office/powerpoint/2010/main" val="3293023333"/>
+      </p:ext>
+    </p:extLst>
+  </p:cSld>
+  <p:clrMapOvr>
+    <a:masterClrMapping/>
+  </p:clrMapOvr>
+</p:sld>
+</file>
+
+<file path=ppt/slides/slide4.xml><?xml version="1.0" encoding="utf-8"?>
+<p:sld xmlns:a="http://schemas.openxmlformats.org/drawingml/2006/main" xmlns:r="http://schemas.openxmlformats.org/officeDocument/2006/relationships" xmlns:p="http://schemas.openxmlformats.org/presentationml/2006/main">
+  <p:cSld>
+    <p:spTree>
+      <p:nvGrpSpPr>
+        <p:cNvPr id="1" name=""/>
+        <p:cNvGrpSpPr/>
+        <p:nvPr/>
+      </p:nvGrpSpPr>
+      <p:grpSpPr>
+        <a:xfrm>
+          <a:off x="0" y="0"/>
+          <a:ext cx="0" cy="0"/>
+          <a:chOff x="0" y="0"/>
+          <a:chExt cx="0" cy="0"/>
+        </a:xfrm>
+      </p:grpSpPr>
+      <p:sp>
+        <p:nvSpPr>
+          <p:cNvPr id="2" name="Titel 1">
+            <a:extLst>
+              <a:ext uri="{FF2B5EF4-FFF2-40B4-BE49-F238E27FC236}">
                 <a16:creationId xmlns:a16="http://schemas.microsoft.com/office/drawing/2014/main" id="{615EE62D-128C-4C71-9273-245A0CCE3C40}"/>
               </a:ext>
             </a:extLst>
@@ -3789,6 +4419,13 @@
             <a:r>
               <a:rPr lang="de-CH" dirty="0"/>
               <a:t>Multisimulation</a:t>
+            </a:r>
+          </a:p>
+          <a:p>
+            <a:pPr lvl="1"/>
+            <a:r>
+              <a:rPr lang="de-CH" dirty="0"/>
+              <a:t>Fünf Durchgänge</a:t>
             </a:r>
           </a:p>
         </p:txBody>
@@ -3806,7 +4443,7 @@
 </p:sld>
 </file>
 
-<file path=ppt/slides/slide4.xml><?xml version="1.0" encoding="utf-8"?>
+<file path=ppt/slides/slide5.xml><?xml version="1.0" encoding="utf-8"?>
 <p:sld xmlns:a="http://schemas.openxmlformats.org/drawingml/2006/main" xmlns:r="http://schemas.openxmlformats.org/officeDocument/2006/relationships" xmlns:p="http://schemas.openxmlformats.org/presentationml/2006/main">
   <p:cSld>
     <p:spTree>
